--- a/Figura.pptx
+++ b/Figura.pptx
@@ -104,6 +104,11 @@
       </a:defRPr>
     </a:lvl9pPr>
   </p:defaultTextStyle>
+  <p:extLst>
+    <p:ext uri="{EFAFB233-063F-42B5-8137-9DF3F51BA10A}">
+      <p15:sldGuideLst xmlns:p15="http://schemas.microsoft.com/office/powerpoint/2012/main"/>
+    </p:ext>
+  </p:extLst>
 </p:presentation>
 </file>
 
@@ -3323,10 +3328,10 @@
       </p:grpSpPr>
       <p:pic>
         <p:nvPicPr>
-          <p:cNvPr id="5" name="Imagem 4" descr="Galinha com a boca aberta&#10;&#10;Descrição gerada automaticamente">
-            <a:extLst>
-              <a:ext uri="{FF2B5EF4-FFF2-40B4-BE49-F238E27FC236}">
-                <a16:creationId xmlns:a16="http://schemas.microsoft.com/office/drawing/2014/main" id="{734624A3-99E5-4A68-94D4-B949052C62EF}"/>
+          <p:cNvPr id="3" name="Imagem 2" descr="Rua de uma cidade&#10;&#10;Descrição gerada automaticamente">
+            <a:extLst>
+              <a:ext uri="{FF2B5EF4-FFF2-40B4-BE49-F238E27FC236}">
+                <a16:creationId xmlns:a16="http://schemas.microsoft.com/office/drawing/2014/main" id="{88B8957F-0B30-4CB2-837D-D08E6491C002}"/>
               </a:ext>
             </a:extLst>
           </p:cNvPr>
@@ -3349,8 +3354,44 @@
         </p:blipFill>
         <p:spPr>
           <a:xfrm>
-            <a:off x="1092542" y="752475"/>
-            <a:ext cx="3445168" cy="2298573"/>
+            <a:off x="1687804" y="653905"/>
+            <a:ext cx="8721725" cy="5550189"/>
+          </a:xfrm>
+          <a:prstGeom prst="rect">
+            <a:avLst/>
+          </a:prstGeom>
+        </p:spPr>
+      </p:pic>
+      <p:pic>
+        <p:nvPicPr>
+          <p:cNvPr id="5" name="Imagem 4" descr="Galinha com a boca aberta&#10;&#10;Descrição gerada automaticamente">
+            <a:extLst>
+              <a:ext uri="{FF2B5EF4-FFF2-40B4-BE49-F238E27FC236}">
+                <a16:creationId xmlns:a16="http://schemas.microsoft.com/office/drawing/2014/main" id="{734624A3-99E5-4A68-94D4-B949052C62EF}"/>
+              </a:ext>
+            </a:extLst>
+          </p:cNvPr>
+          <p:cNvPicPr>
+            <a:picLocks noChangeAspect="1"/>
+          </p:cNvPicPr>
+          <p:nvPr/>
+        </p:nvPicPr>
+        <p:blipFill>
+          <a:blip r:embed="rId3">
+            <a:extLst>
+              <a:ext uri="{28A0092B-C50C-407E-A947-70E740481C1C}">
+                <a14:useLocalDpi xmlns:a14="http://schemas.microsoft.com/office/drawing/2010/main" val="0"/>
+              </a:ext>
+            </a:extLst>
+          </a:blip>
+          <a:stretch>
+            <a:fillRect/>
+          </a:stretch>
+        </p:blipFill>
+        <p:spPr>
+          <a:xfrm>
+            <a:off x="1968842" y="2647950"/>
+            <a:ext cx="2974049" cy="1984248"/>
           </a:xfrm>
           <a:prstGeom prst="rect">
             <a:avLst/>
